--- a/스크립트 언어 기말 과제 기획서.pptx
+++ b/스크립트 언어 기말 과제 기획서.pptx
@@ -260,7 +260,7 @@
           <a:p>
             <a:fld id="{2157EEFF-4AD2-4221-87A1-C6C7A9A9164A}" type="datetimeFigureOut">
               <a:rPr lang="ko-KR" altLang="en-US" smtClean="0"/>
-              <a:t>2018-05-12</a:t>
+              <a:t>2018-05-16</a:t>
             </a:fld>
             <a:endParaRPr lang="ko-KR" altLang="en-US"/>
           </a:p>
@@ -428,7 +428,7 @@
           <a:p>
             <a:fld id="{2157EEFF-4AD2-4221-87A1-C6C7A9A9164A}" type="datetimeFigureOut">
               <a:rPr lang="ko-KR" altLang="en-US" smtClean="0"/>
-              <a:t>2018-05-12</a:t>
+              <a:t>2018-05-16</a:t>
             </a:fld>
             <a:endParaRPr lang="ko-KR" altLang="en-US"/>
           </a:p>
@@ -606,7 +606,7 @@
           <a:p>
             <a:fld id="{2157EEFF-4AD2-4221-87A1-C6C7A9A9164A}" type="datetimeFigureOut">
               <a:rPr lang="ko-KR" altLang="en-US" smtClean="0"/>
-              <a:t>2018-05-12</a:t>
+              <a:t>2018-05-16</a:t>
             </a:fld>
             <a:endParaRPr lang="ko-KR" altLang="en-US"/>
           </a:p>
@@ -774,7 +774,7 @@
           <a:p>
             <a:fld id="{2157EEFF-4AD2-4221-87A1-C6C7A9A9164A}" type="datetimeFigureOut">
               <a:rPr lang="ko-KR" altLang="en-US" smtClean="0"/>
-              <a:t>2018-05-12</a:t>
+              <a:t>2018-05-16</a:t>
             </a:fld>
             <a:endParaRPr lang="ko-KR" altLang="en-US"/>
           </a:p>
@@ -1019,7 +1019,7 @@
           <a:p>
             <a:fld id="{2157EEFF-4AD2-4221-87A1-C6C7A9A9164A}" type="datetimeFigureOut">
               <a:rPr lang="ko-KR" altLang="en-US" smtClean="0"/>
-              <a:t>2018-05-12</a:t>
+              <a:t>2018-05-16</a:t>
             </a:fld>
             <a:endParaRPr lang="ko-KR" altLang="en-US"/>
           </a:p>
@@ -1248,7 +1248,7 @@
           <a:p>
             <a:fld id="{2157EEFF-4AD2-4221-87A1-C6C7A9A9164A}" type="datetimeFigureOut">
               <a:rPr lang="ko-KR" altLang="en-US" smtClean="0"/>
-              <a:t>2018-05-12</a:t>
+              <a:t>2018-05-16</a:t>
             </a:fld>
             <a:endParaRPr lang="ko-KR" altLang="en-US"/>
           </a:p>
@@ -1612,7 +1612,7 @@
           <a:p>
             <a:fld id="{2157EEFF-4AD2-4221-87A1-C6C7A9A9164A}" type="datetimeFigureOut">
               <a:rPr lang="ko-KR" altLang="en-US" smtClean="0"/>
-              <a:t>2018-05-12</a:t>
+              <a:t>2018-05-16</a:t>
             </a:fld>
             <a:endParaRPr lang="ko-KR" altLang="en-US"/>
           </a:p>
@@ -1729,7 +1729,7 @@
           <a:p>
             <a:fld id="{2157EEFF-4AD2-4221-87A1-C6C7A9A9164A}" type="datetimeFigureOut">
               <a:rPr lang="ko-KR" altLang="en-US" smtClean="0"/>
-              <a:t>2018-05-12</a:t>
+              <a:t>2018-05-16</a:t>
             </a:fld>
             <a:endParaRPr lang="ko-KR" altLang="en-US"/>
           </a:p>
@@ -1824,7 +1824,7 @@
           <a:p>
             <a:fld id="{2157EEFF-4AD2-4221-87A1-C6C7A9A9164A}" type="datetimeFigureOut">
               <a:rPr lang="ko-KR" altLang="en-US" smtClean="0"/>
-              <a:t>2018-05-12</a:t>
+              <a:t>2018-05-16</a:t>
             </a:fld>
             <a:endParaRPr lang="ko-KR" altLang="en-US"/>
           </a:p>
@@ -2099,7 +2099,7 @@
           <a:p>
             <a:fld id="{2157EEFF-4AD2-4221-87A1-C6C7A9A9164A}" type="datetimeFigureOut">
               <a:rPr lang="ko-KR" altLang="en-US" smtClean="0"/>
-              <a:t>2018-05-12</a:t>
+              <a:t>2018-05-16</a:t>
             </a:fld>
             <a:endParaRPr lang="ko-KR" altLang="en-US"/>
           </a:p>
@@ -2351,7 +2351,7 @@
           <a:p>
             <a:fld id="{2157EEFF-4AD2-4221-87A1-C6C7A9A9164A}" type="datetimeFigureOut">
               <a:rPr lang="ko-KR" altLang="en-US" smtClean="0"/>
-              <a:t>2018-05-12</a:t>
+              <a:t>2018-05-16</a:t>
             </a:fld>
             <a:endParaRPr lang="ko-KR" altLang="en-US"/>
           </a:p>
@@ -2562,7 +2562,7 @@
           <a:p>
             <a:fld id="{2157EEFF-4AD2-4221-87A1-C6C7A9A9164A}" type="datetimeFigureOut">
               <a:rPr lang="ko-KR" altLang="en-US" smtClean="0"/>
-              <a:t>2018-05-12</a:t>
+              <a:t>2018-05-16</a:t>
             </a:fld>
             <a:endParaRPr lang="ko-KR" altLang="en-US"/>
           </a:p>
@@ -2994,8 +2994,8 @@
         </p:nvSpPr>
         <p:spPr>
           <a:xfrm>
-            <a:off x="4618671" y="2644170"/>
-            <a:ext cx="2954655" cy="1569660"/>
+            <a:off x="4609854" y="1588454"/>
+            <a:ext cx="2972288" cy="1569660"/>
           </a:xfrm>
           <a:prstGeom prst="rect">
             <a:avLst/>
@@ -3109,7 +3109,7 @@
         </p:nvCxnSpPr>
         <p:spPr>
           <a:xfrm>
-            <a:off x="3742997" y="2601313"/>
+            <a:off x="3742996" y="1545597"/>
             <a:ext cx="4706007" cy="0"/>
           </a:xfrm>
           <a:prstGeom prst="line">
@@ -3146,7 +3146,7 @@
         </p:nvCxnSpPr>
         <p:spPr>
           <a:xfrm>
-            <a:off x="3742997" y="4185748"/>
+            <a:off x="3742996" y="3130032"/>
             <a:ext cx="4706007" cy="0"/>
           </a:xfrm>
           <a:prstGeom prst="line">
@@ -3187,7 +3187,7 @@
         </p:nvSpPr>
         <p:spPr>
           <a:xfrm>
-            <a:off x="8449004" y="5539527"/>
+            <a:off x="8449003" y="5898378"/>
             <a:ext cx="3498073" cy="707886"/>
           </a:xfrm>
           <a:prstGeom prst="rect">
@@ -3311,6 +3311,42 @@
           </a:p>
         </p:txBody>
       </p:sp>
+      <p:pic>
+        <p:nvPicPr>
+          <p:cNvPr id="9" name="그림 8">
+            <a:extLst>
+              <a:ext uri="{FF2B5EF4-FFF2-40B4-BE49-F238E27FC236}">
+                <a16:creationId xmlns:a16="http://schemas.microsoft.com/office/drawing/2014/main" id="{3F0630AD-0530-41B6-B6FB-6B0C0F543756}"/>
+              </a:ext>
+            </a:extLst>
+          </p:cNvPr>
+          <p:cNvPicPr>
+            <a:picLocks noChangeAspect="1"/>
+          </p:cNvPicPr>
+          <p:nvPr/>
+        </p:nvPicPr>
+        <p:blipFill>
+          <a:blip r:embed="rId2">
+            <a:extLst>
+              <a:ext uri="{28A0092B-C50C-407E-A947-70E740481C1C}">
+                <a14:useLocalDpi xmlns:a14="http://schemas.microsoft.com/office/drawing/2010/main" val="0"/>
+              </a:ext>
+            </a:extLst>
+          </a:blip>
+          <a:stretch>
+            <a:fillRect/>
+          </a:stretch>
+        </p:blipFill>
+        <p:spPr>
+          <a:xfrm>
+            <a:off x="9917084" y="3680725"/>
+            <a:ext cx="1596045" cy="2090395"/>
+          </a:xfrm>
+          <a:prstGeom prst="rect">
+            <a:avLst/>
+          </a:prstGeom>
+        </p:spPr>
+      </p:pic>
     </p:spTree>
     <p:extLst>
       <p:ext uri="{BB962C8B-B14F-4D97-AF65-F5344CB8AC3E}">
@@ -3321,6 +3357,14 @@
   <p:clrMapOvr>
     <a:masterClrMapping/>
   </p:clrMapOvr>
+  <mc:AlternateContent xmlns:mc="http://schemas.openxmlformats.org/markup-compatibility/2006">
+    <mc:Choice xmlns:p14="http://schemas.microsoft.com/office/powerpoint/2010/main" Requires="p14">
+      <p:transition spd="slow" p14:dur="2000" advTm="9913"/>
+    </mc:Choice>
+    <mc:Fallback>
+      <p:transition spd="slow" advTm="9913"/>
+    </mc:Fallback>
+  </mc:AlternateContent>
 </p:sld>
 </file>
 
@@ -3829,7 +3873,7 @@
                   <a:latin typeface="KoPub돋움체 Bold" panose="02020603020101020101" pitchFamily="18" charset="-127"/>
                   <a:ea typeface="KoPub돋움체 Bold" panose="02020603020101020101" pitchFamily="18" charset="-127"/>
                 </a:rPr>
-                <a:t>사용 된 </a:t>
+                <a:t>사용 할 </a:t>
               </a:r>
               <a:r>
                 <a:rPr lang="en-US" altLang="ko-KR" sz="2000" dirty="0">
@@ -4217,6 +4261,14 @@
   <p:clrMapOvr>
     <a:masterClrMapping/>
   </p:clrMapOvr>
+  <mc:AlternateContent xmlns:mc="http://schemas.openxmlformats.org/markup-compatibility/2006">
+    <mc:Choice xmlns:p14="http://schemas.microsoft.com/office/powerpoint/2010/main" Requires="p14">
+      <p:transition spd="slow" p14:dur="2000" advTm="7062"/>
+    </mc:Choice>
+    <mc:Fallback>
+      <p:transition spd="slow" advTm="7062"/>
+    </mc:Fallback>
+  </mc:AlternateContent>
 </p:sld>
 </file>
 
@@ -4535,8 +4587,8 @@
         </p:nvSpPr>
         <p:spPr>
           <a:xfrm>
-            <a:off x="1389161" y="3355613"/>
-            <a:ext cx="2064332" cy="2163443"/>
+            <a:off x="1389161" y="3355614"/>
+            <a:ext cx="2064332" cy="1847096"/>
           </a:xfrm>
           <a:prstGeom prst="frame">
             <a:avLst>
@@ -4925,8 +4977,8 @@
         </p:nvSpPr>
         <p:spPr>
           <a:xfrm>
-            <a:off x="1986019" y="3933089"/>
-            <a:ext cx="3825086" cy="1285288"/>
+            <a:off x="1926666" y="3956415"/>
+            <a:ext cx="3825086" cy="869790"/>
           </a:xfrm>
           <a:prstGeom prst="rect">
             <a:avLst/>
@@ -4962,7 +5014,7 @@
                 <a:latin typeface="KoPub돋움체 Bold" panose="02020603020101020101" pitchFamily="18" charset="-127"/>
                 <a:ea typeface="KoPub돋움체 Bold" panose="02020603020101020101" pitchFamily="18" charset="-127"/>
               </a:rPr>
-              <a:t>캐릭터의 전투력 측정</a:t>
+              <a:t>비교를 통한 캐릭터의 전투력 측정</a:t>
             </a:r>
             <a:endParaRPr lang="en-US" altLang="ko-KR" dirty="0">
               <a:gradFill>
@@ -5002,46 +5054,6 @@
                 <a:latin typeface="KoPub돋움체 Bold" panose="02020603020101020101" pitchFamily="18" charset="-127"/>
                 <a:ea typeface="KoPub돋움체 Bold" panose="02020603020101020101" pitchFamily="18" charset="-127"/>
               </a:rPr>
-              <a:t>다른 캐릭터와의 비교</a:t>
-            </a:r>
-            <a:endParaRPr lang="en-US" altLang="ko-KR" dirty="0">
-              <a:gradFill>
-                <a:gsLst>
-                  <a:gs pos="0">
-                    <a:schemeClr val="tx1"/>
-                  </a:gs>
-                  <a:gs pos="100000">
-                    <a:schemeClr val="tx1"/>
-                  </a:gs>
-                </a:gsLst>
-                <a:lin ang="5400000" scaled="1"/>
-              </a:gradFill>
-              <a:latin typeface="KoPub돋움체 Bold" panose="02020603020101020101" pitchFamily="18" charset="-127"/>
-              <a:ea typeface="KoPub돋움체 Bold" panose="02020603020101020101" pitchFamily="18" charset="-127"/>
-            </a:endParaRPr>
-          </a:p>
-          <a:p>
-            <a:pPr>
-              <a:lnSpc>
-                <a:spcPct val="150000"/>
-              </a:lnSpc>
-            </a:pPr>
-            <a:r>
-              <a:rPr lang="ko-KR" altLang="en-US" dirty="0">
-                <a:gradFill>
-                  <a:gsLst>
-                    <a:gs pos="0">
-                      <a:schemeClr val="tx1"/>
-                    </a:gs>
-                    <a:gs pos="100000">
-                      <a:schemeClr val="tx1"/>
-                    </a:gs>
-                  </a:gsLst>
-                  <a:lin ang="5400000" scaled="1"/>
-                </a:gradFill>
-                <a:latin typeface="KoPub돋움체 Bold" panose="02020603020101020101" pitchFamily="18" charset="-127"/>
-                <a:ea typeface="KoPub돋움체 Bold" panose="02020603020101020101" pitchFamily="18" charset="-127"/>
-              </a:rPr>
               <a:t>아이템 변경 시 바뀌는 전투력 측정</a:t>
             </a:r>
           </a:p>
@@ -5166,6 +5178,14 @@
   <p:clrMapOvr>
     <a:masterClrMapping/>
   </p:clrMapOvr>
+  <mc:AlternateContent xmlns:mc="http://schemas.openxmlformats.org/markup-compatibility/2006">
+    <mc:Choice xmlns:p14="http://schemas.microsoft.com/office/powerpoint/2010/main" Requires="p14">
+      <p:transition spd="slow" p14:dur="2000" advTm="14512"/>
+    </mc:Choice>
+    <mc:Fallback>
+      <p:transition spd="slow" advTm="14512"/>
+    </mc:Fallback>
+  </mc:AlternateContent>
 </p:sld>
 </file>
 
@@ -7143,8 +7163,8 @@
         </p:nvSpPr>
         <p:spPr>
           <a:xfrm>
-            <a:off x="358645" y="323223"/>
-            <a:ext cx="1947969" cy="461665"/>
+            <a:off x="284906" y="323223"/>
+            <a:ext cx="2095446" cy="461665"/>
           </a:xfrm>
           <a:prstGeom prst="rect">
             <a:avLst/>
@@ -7174,7 +7194,7 @@
                 <a:latin typeface="KoPub돋움체 Bold" panose="02020603020101020101" pitchFamily="18" charset="-127"/>
                 <a:ea typeface="KoPub돋움체 Bold" panose="02020603020101020101" pitchFamily="18" charset="-127"/>
               </a:rPr>
-              <a:t>사용된 </a:t>
+              <a:t>사용 할 </a:t>
             </a:r>
             <a:r>
               <a:rPr lang="en-US" altLang="ko-KR" sz="2400" spc="300" dirty="0">
@@ -7252,6 +7272,14 @@
   <p:clrMapOvr>
     <a:masterClrMapping/>
   </p:clrMapOvr>
+  <mc:AlternateContent xmlns:mc="http://schemas.openxmlformats.org/markup-compatibility/2006">
+    <mc:Choice xmlns:p14="http://schemas.microsoft.com/office/powerpoint/2010/main" Requires="p14">
+      <p:transition spd="slow" p14:dur="2000" advTm="8535"/>
+    </mc:Choice>
+    <mc:Fallback>
+      <p:transition spd="slow" advTm="8535"/>
+    </mc:Fallback>
+  </mc:AlternateContent>
 </p:sld>
 </file>
 
@@ -7532,8 +7560,8 @@
         </p:nvSpPr>
         <p:spPr>
           <a:xfrm>
-            <a:off x="947651" y="1165118"/>
-            <a:ext cx="12049760" cy="5684525"/>
+            <a:off x="527232" y="1012578"/>
+            <a:ext cx="9419025" cy="5218228"/>
           </a:xfrm>
           <a:prstGeom prst="rect">
             <a:avLst/>
@@ -7712,19 +7740,38 @@
             <a:endParaRPr lang="en-US" altLang="ko-KR" dirty="0"/>
           </a:p>
           <a:p>
-            <a:pPr marL="457200" indent="-457200" algn="l">
-              <a:buAutoNum type="arabicPeriod"/>
-            </a:pPr>
+            <a:pPr algn="l"/>
+            <a:r>
+              <a:rPr lang="en-US" altLang="ko-KR" dirty="0"/>
+              <a:t>1. </a:t>
+            </a:r>
             <a:r>
               <a:rPr lang="ko-KR" altLang="en-US" dirty="0"/>
-              <a:t>캐릭터 정보 검색</a:t>
-            </a:r>
-            <a:endParaRPr lang="en-US" altLang="ko-KR" dirty="0"/>
-          </a:p>
-          <a:p>
-            <a:pPr marL="457200" indent="-457200" algn="l">
-              <a:buAutoNum type="arabicPeriod"/>
-            </a:pPr>
+              <a:t>정보 검색 </a:t>
+            </a:r>
+            <a:r>
+              <a:rPr lang="en-US" altLang="ko-KR" dirty="0"/>
+              <a:t>(</a:t>
+            </a:r>
+            <a:r>
+              <a:rPr lang="ko-KR" altLang="en-US" dirty="0"/>
+              <a:t>캐릭터</a:t>
+            </a:r>
+            <a:r>
+              <a:rPr lang="en-US" altLang="ko-KR" dirty="0"/>
+              <a:t>/</a:t>
+            </a:r>
+            <a:r>
+              <a:rPr lang="ko-KR" altLang="en-US" dirty="0"/>
+              <a:t>아이템</a:t>
+            </a:r>
+            <a:r>
+              <a:rPr lang="en-US" altLang="ko-KR" dirty="0"/>
+              <a:t>)</a:t>
+            </a:r>
+          </a:p>
+          <a:p>
+            <a:pPr algn="l"/>
             <a:endParaRPr lang="en-US" altLang="ko-KR" dirty="0"/>
           </a:p>
           <a:p>
@@ -7735,7 +7782,7 @@
             </a:r>
             <a:r>
               <a:rPr lang="ko-KR" altLang="en-US" dirty="0"/>
-              <a:t>아이템 정보 검색</a:t>
+              <a:t>비교를 통한 전투력 측정</a:t>
             </a:r>
             <a:endParaRPr lang="en-US" altLang="ko-KR" dirty="0"/>
           </a:p>
@@ -7751,7 +7798,7 @@
             </a:r>
             <a:r>
               <a:rPr lang="ko-KR" altLang="en-US" dirty="0"/>
-              <a:t>전투력 측정</a:t>
+              <a:t>아이템 변경 시 변경되는 전투력 측정</a:t>
             </a:r>
             <a:endParaRPr lang="en-US" altLang="ko-KR" dirty="0"/>
           </a:p>
@@ -7763,11 +7810,11 @@
             <a:pPr algn="l"/>
             <a:r>
               <a:rPr lang="en-US" altLang="ko-KR" dirty="0"/>
-              <a:t>4. </a:t>
+              <a:t>4. GUI </a:t>
             </a:r>
             <a:r>
               <a:rPr lang="ko-KR" altLang="en-US" dirty="0"/>
-              <a:t>타 캐릭터와의 전투력 비교</a:t>
+              <a:t>환경 구축</a:t>
             </a:r>
             <a:endParaRPr lang="en-US" altLang="ko-KR" dirty="0"/>
           </a:p>
@@ -7779,12 +7826,21 @@
             <a:pPr algn="l"/>
             <a:r>
               <a:rPr lang="en-US" altLang="ko-KR" dirty="0"/>
-              <a:t>5. </a:t>
+              <a:t>5.  </a:t>
             </a:r>
             <a:r>
               <a:rPr lang="ko-KR" altLang="en-US" dirty="0"/>
-              <a:t>아이템 변경 후 변경 전투력 측정</a:t>
-            </a:r>
+              <a:t>배포 파일의 작성</a:t>
+            </a:r>
+            <a:endParaRPr lang="en-US" altLang="ko-KR" dirty="0"/>
+          </a:p>
+          <a:p>
+            <a:pPr algn="l"/>
+            <a:endParaRPr lang="en-US" altLang="ko-KR" dirty="0"/>
+          </a:p>
+          <a:p>
+            <a:pPr algn="l"/>
+            <a:endParaRPr lang="en-US" altLang="ko-KR" dirty="0"/>
           </a:p>
         </p:txBody>
       </p:sp>
@@ -7798,6 +7854,14 @@
   <p:clrMapOvr>
     <a:masterClrMapping/>
   </p:clrMapOvr>
+  <mc:AlternateContent xmlns:mc="http://schemas.openxmlformats.org/markup-compatibility/2006">
+    <mc:Choice xmlns:p14="http://schemas.microsoft.com/office/powerpoint/2010/main" Requires="p14">
+      <p:transition spd="slow" p14:dur="2000" advTm="23898"/>
+    </mc:Choice>
+    <mc:Fallback>
+      <p:transition spd="slow" advTm="23898"/>
+    </mc:Fallback>
+  </mc:AlternateContent>
 </p:sld>
 </file>
 
@@ -8197,7 +8261,7 @@
         <p:spPr>
           <a:xfrm>
             <a:off x="7722097" y="2737339"/>
-            <a:ext cx="3100529" cy="523220"/>
+            <a:ext cx="3100529" cy="307777"/>
           </a:xfrm>
           <a:prstGeom prst="rect">
             <a:avLst/>
@@ -8226,10 +8290,10 @@
                 <a:latin typeface="KoPub돋움체 Medium" panose="02020603020101020101" pitchFamily="18" charset="-127"/>
                 <a:ea typeface="KoPub돋움체 Medium" panose="02020603020101020101" pitchFamily="18" charset="-127"/>
               </a:rPr>
-              <a:t>tkinter</a:t>
-            </a:r>
-            <a:r>
-              <a:rPr lang="ko-KR" altLang="en-US" sz="1400" dirty="0">
+              <a:t>distutils</a:t>
+            </a:r>
+            <a:r>
+              <a:rPr lang="en-US" altLang="ko-KR" sz="1400" dirty="0">
                 <a:gradFill>
                   <a:gsLst>
                     <a:gs pos="0">
@@ -8244,10 +8308,10 @@
                 <a:latin typeface="KoPub돋움체 Medium" panose="02020603020101020101" pitchFamily="18" charset="-127"/>
                 <a:ea typeface="KoPub돋움체 Medium" panose="02020603020101020101" pitchFamily="18" charset="-127"/>
               </a:rPr>
-              <a:t>를 통한 </a:t>
-            </a:r>
-            <a:r>
-              <a:rPr lang="en-US" altLang="ko-KR" sz="1400" dirty="0">
+              <a:t> </a:t>
+            </a:r>
+            <a:r>
+              <a:rPr lang="ko-KR" altLang="en-US" sz="1400" dirty="0">
                 <a:gradFill>
                   <a:gsLst>
                     <a:gs pos="0">
@@ -8262,25 +8326,7 @@
                 <a:latin typeface="KoPub돋움체 Medium" panose="02020603020101020101" pitchFamily="18" charset="-127"/>
                 <a:ea typeface="KoPub돋움체 Medium" panose="02020603020101020101" pitchFamily="18" charset="-127"/>
               </a:rPr>
-              <a:t>GUI </a:t>
-            </a:r>
-            <a:r>
-              <a:rPr lang="ko-KR" altLang="en-US" sz="1400" dirty="0">
-                <a:gradFill>
-                  <a:gsLst>
-                    <a:gs pos="0">
-                      <a:schemeClr val="tx1"/>
-                    </a:gs>
-                    <a:gs pos="100000">
-                      <a:schemeClr val="tx1"/>
-                    </a:gs>
-                  </a:gsLst>
-                  <a:lin ang="5400000" scaled="1"/>
-                </a:gradFill>
-                <a:latin typeface="KoPub돋움체 Medium" panose="02020603020101020101" pitchFamily="18" charset="-127"/>
-                <a:ea typeface="KoPub돋움체 Medium" panose="02020603020101020101" pitchFamily="18" charset="-127"/>
-              </a:rPr>
-              <a:t>구현</a:t>
+              <a:t>모듈을 통한 배포 파일 작성</a:t>
             </a:r>
             <a:endParaRPr lang="en-US" altLang="ko-KR" sz="1400" dirty="0">
               <a:gradFill>
@@ -8298,9 +8344,129 @@
               <a:ea typeface="KoPub돋움체 Medium" panose="02020603020101020101" pitchFamily="18" charset="-127"/>
             </a:endParaRPr>
           </a:p>
-          <a:p>
-            <a:r>
-              <a:rPr lang="en-US" altLang="ko-KR" sz="1400" dirty="0" err="1">
+        </p:txBody>
+      </p:sp>
+      <p:sp>
+        <p:nvSpPr>
+          <p:cNvPr id="26" name="TextBox 25"/>
+          <p:cNvSpPr txBox="1"/>
+          <p:nvPr/>
+        </p:nvSpPr>
+        <p:spPr>
+          <a:xfrm>
+            <a:off x="7722097" y="2387270"/>
+            <a:ext cx="1903278" cy="400110"/>
+          </a:xfrm>
+          <a:prstGeom prst="rect">
+            <a:avLst/>
+          </a:prstGeom>
+          <a:noFill/>
+        </p:spPr>
+        <p:txBody>
+          <a:bodyPr wrap="none" rtlCol="0">
+            <a:spAutoFit/>
+          </a:bodyPr>
+          <a:lstStyle/>
+          <a:p>
+            <a:r>
+              <a:rPr lang="en-US" altLang="ko-KR" sz="2000" dirty="0">
+                <a:gradFill>
+                  <a:gsLst>
+                    <a:gs pos="0">
+                      <a:srgbClr val="2771C3"/>
+                    </a:gs>
+                    <a:gs pos="100000">
+                      <a:srgbClr val="2771C3"/>
+                    </a:gs>
+                  </a:gsLst>
+                  <a:lin ang="5400000" scaled="1"/>
+                </a:gradFill>
+                <a:latin typeface="KoPub돋움체 Bold" panose="02020603020101020101" pitchFamily="18" charset="-127"/>
+                <a:ea typeface="KoPub돋움체 Bold" panose="02020603020101020101" pitchFamily="18" charset="-127"/>
+              </a:rPr>
+              <a:t>Step</a:t>
+            </a:r>
+            <a:r>
+              <a:rPr lang="ko-KR" altLang="en-US" sz="2000" dirty="0">
+                <a:gradFill>
+                  <a:gsLst>
+                    <a:gs pos="0">
+                      <a:srgbClr val="2771C3"/>
+                    </a:gs>
+                    <a:gs pos="100000">
+                      <a:srgbClr val="2771C3"/>
+                    </a:gs>
+                  </a:gsLst>
+                  <a:lin ang="5400000" scaled="1"/>
+                </a:gradFill>
+                <a:latin typeface="KoPub돋움체 Bold" panose="02020603020101020101" pitchFamily="18" charset="-127"/>
+                <a:ea typeface="KoPub돋움체 Bold" panose="02020603020101020101" pitchFamily="18" charset="-127"/>
+              </a:rPr>
+              <a:t> </a:t>
+            </a:r>
+            <a:r>
+              <a:rPr lang="en-US" altLang="ko-KR" sz="2000" dirty="0">
+                <a:gradFill>
+                  <a:gsLst>
+                    <a:gs pos="0">
+                      <a:srgbClr val="2771C3"/>
+                    </a:gs>
+                    <a:gs pos="100000">
+                      <a:srgbClr val="2771C3"/>
+                    </a:gs>
+                  </a:gsLst>
+                  <a:lin ang="5400000" scaled="1"/>
+                </a:gradFill>
+                <a:latin typeface="KoPub돋움체 Bold" panose="02020603020101020101" pitchFamily="18" charset="-127"/>
+                <a:ea typeface="KoPub돋움체 Bold" panose="02020603020101020101" pitchFamily="18" charset="-127"/>
+              </a:rPr>
+              <a:t>03 : </a:t>
+            </a:r>
+            <a:r>
+              <a:rPr lang="ko-KR" altLang="en-US" sz="2000" dirty="0">
+                <a:gradFill>
+                  <a:gsLst>
+                    <a:gs pos="0">
+                      <a:srgbClr val="2771C3"/>
+                    </a:gs>
+                    <a:gs pos="100000">
+                      <a:srgbClr val="2771C3"/>
+                    </a:gs>
+                  </a:gsLst>
+                  <a:lin ang="5400000" scaled="1"/>
+                </a:gradFill>
+                <a:latin typeface="KoPub돋움체 Bold" panose="02020603020101020101" pitchFamily="18" charset="-127"/>
+                <a:ea typeface="KoPub돋움체 Bold" panose="02020603020101020101" pitchFamily="18" charset="-127"/>
+              </a:rPr>
+              <a:t>배포 </a:t>
+            </a:r>
+          </a:p>
+        </p:txBody>
+      </p:sp>
+      <p:sp>
+        <p:nvSpPr>
+          <p:cNvPr id="28" name="TextBox 27"/>
+          <p:cNvSpPr txBox="1"/>
+          <p:nvPr/>
+        </p:nvSpPr>
+        <p:spPr>
+          <a:xfrm>
+            <a:off x="4377380" y="4650345"/>
+            <a:ext cx="3369833" cy="738664"/>
+          </a:xfrm>
+          <a:prstGeom prst="rect">
+            <a:avLst/>
+          </a:prstGeom>
+          <a:noFill/>
+        </p:spPr>
+        <p:txBody>
+          <a:bodyPr wrap="none" rtlCol="0">
+            <a:spAutoFit/>
+          </a:bodyPr>
+          <a:lstStyle/>
+          <a:p>
+            <a:r>
+              <a:rPr lang="ko-KR" altLang="en-US" sz="1400" dirty="0">
                 <a:gradFill>
                   <a:gsLst>
                     <a:gs pos="0">
@@ -8315,43 +8481,7 @@
                 <a:latin typeface="KoPub돋움체 Medium" panose="02020603020101020101" pitchFamily="18" charset="-127"/>
                 <a:ea typeface="KoPub돋움체 Medium" panose="02020603020101020101" pitchFamily="18" charset="-127"/>
               </a:rPr>
-              <a:t>distutils</a:t>
-            </a:r>
-            <a:r>
-              <a:rPr lang="en-US" altLang="ko-KR" sz="1400" dirty="0">
-                <a:gradFill>
-                  <a:gsLst>
-                    <a:gs pos="0">
-                      <a:schemeClr val="tx1"/>
-                    </a:gs>
-                    <a:gs pos="100000">
-                      <a:schemeClr val="tx1"/>
-                    </a:gs>
-                  </a:gsLst>
-                  <a:lin ang="5400000" scaled="1"/>
-                </a:gradFill>
-                <a:latin typeface="KoPub돋움체 Medium" panose="02020603020101020101" pitchFamily="18" charset="-127"/>
-                <a:ea typeface="KoPub돋움체 Medium" panose="02020603020101020101" pitchFamily="18" charset="-127"/>
-              </a:rPr>
-              <a:t> </a:t>
-            </a:r>
-            <a:r>
-              <a:rPr lang="ko-KR" altLang="en-US" sz="1400" dirty="0">
-                <a:gradFill>
-                  <a:gsLst>
-                    <a:gs pos="0">
-                      <a:schemeClr val="tx1"/>
-                    </a:gs>
-                    <a:gs pos="100000">
-                      <a:schemeClr val="tx1"/>
-                    </a:gs>
-                  </a:gsLst>
-                  <a:lin ang="5400000" scaled="1"/>
-                </a:gradFill>
-                <a:latin typeface="KoPub돋움체 Medium" panose="02020603020101020101" pitchFamily="18" charset="-127"/>
-                <a:ea typeface="KoPub돋움체 Medium" panose="02020603020101020101" pitchFamily="18" charset="-127"/>
-              </a:rPr>
-              <a:t>모듈을 통한 배포 파일 작성</a:t>
+              <a:t>파이션을 사용하여 기본 틀과 함수 구현</a:t>
             </a:r>
             <a:endParaRPr lang="en-US" altLang="ko-KR" sz="1400" dirty="0">
               <a:gradFill>
@@ -8369,129 +8499,9 @@
               <a:ea typeface="KoPub돋움체 Medium" panose="02020603020101020101" pitchFamily="18" charset="-127"/>
             </a:endParaRPr>
           </a:p>
-        </p:txBody>
-      </p:sp>
-      <p:sp>
-        <p:nvSpPr>
-          <p:cNvPr id="26" name="TextBox 25"/>
-          <p:cNvSpPr txBox="1"/>
-          <p:nvPr/>
-        </p:nvSpPr>
-        <p:spPr>
-          <a:xfrm>
-            <a:off x="7722097" y="2387270"/>
-            <a:ext cx="1903278" cy="400110"/>
-          </a:xfrm>
-          <a:prstGeom prst="rect">
-            <a:avLst/>
-          </a:prstGeom>
-          <a:noFill/>
-        </p:spPr>
-        <p:txBody>
-          <a:bodyPr wrap="none" rtlCol="0">
-            <a:spAutoFit/>
-          </a:bodyPr>
-          <a:lstStyle/>
-          <a:p>
-            <a:r>
-              <a:rPr lang="en-US" altLang="ko-KR" sz="2000" dirty="0">
-                <a:gradFill>
-                  <a:gsLst>
-                    <a:gs pos="0">
-                      <a:srgbClr val="2771C3"/>
-                    </a:gs>
-                    <a:gs pos="100000">
-                      <a:srgbClr val="2771C3"/>
-                    </a:gs>
-                  </a:gsLst>
-                  <a:lin ang="5400000" scaled="1"/>
-                </a:gradFill>
-                <a:latin typeface="KoPub돋움체 Bold" panose="02020603020101020101" pitchFamily="18" charset="-127"/>
-                <a:ea typeface="KoPub돋움체 Bold" panose="02020603020101020101" pitchFamily="18" charset="-127"/>
-              </a:rPr>
-              <a:t>Step</a:t>
-            </a:r>
-            <a:r>
-              <a:rPr lang="ko-KR" altLang="en-US" sz="2000" dirty="0">
-                <a:gradFill>
-                  <a:gsLst>
-                    <a:gs pos="0">
-                      <a:srgbClr val="2771C3"/>
-                    </a:gs>
-                    <a:gs pos="100000">
-                      <a:srgbClr val="2771C3"/>
-                    </a:gs>
-                  </a:gsLst>
-                  <a:lin ang="5400000" scaled="1"/>
-                </a:gradFill>
-                <a:latin typeface="KoPub돋움체 Bold" panose="02020603020101020101" pitchFamily="18" charset="-127"/>
-                <a:ea typeface="KoPub돋움체 Bold" panose="02020603020101020101" pitchFamily="18" charset="-127"/>
-              </a:rPr>
-              <a:t> </a:t>
-            </a:r>
-            <a:r>
-              <a:rPr lang="en-US" altLang="ko-KR" sz="2000" dirty="0">
-                <a:gradFill>
-                  <a:gsLst>
-                    <a:gs pos="0">
-                      <a:srgbClr val="2771C3"/>
-                    </a:gs>
-                    <a:gs pos="100000">
-                      <a:srgbClr val="2771C3"/>
-                    </a:gs>
-                  </a:gsLst>
-                  <a:lin ang="5400000" scaled="1"/>
-                </a:gradFill>
-                <a:latin typeface="KoPub돋움체 Bold" panose="02020603020101020101" pitchFamily="18" charset="-127"/>
-                <a:ea typeface="KoPub돋움체 Bold" panose="02020603020101020101" pitchFamily="18" charset="-127"/>
-              </a:rPr>
-              <a:t>03 : </a:t>
-            </a:r>
-            <a:r>
-              <a:rPr lang="ko-KR" altLang="en-US" sz="2000" dirty="0">
-                <a:gradFill>
-                  <a:gsLst>
-                    <a:gs pos="0">
-                      <a:srgbClr val="2771C3"/>
-                    </a:gs>
-                    <a:gs pos="100000">
-                      <a:srgbClr val="2771C3"/>
-                    </a:gs>
-                  </a:gsLst>
-                  <a:lin ang="5400000" scaled="1"/>
-                </a:gradFill>
-                <a:latin typeface="KoPub돋움체 Bold" panose="02020603020101020101" pitchFamily="18" charset="-127"/>
-                <a:ea typeface="KoPub돋움체 Bold" panose="02020603020101020101" pitchFamily="18" charset="-127"/>
-              </a:rPr>
-              <a:t>배포 </a:t>
-            </a:r>
-          </a:p>
-        </p:txBody>
-      </p:sp>
-      <p:sp>
-        <p:nvSpPr>
-          <p:cNvPr id="28" name="TextBox 27"/>
-          <p:cNvSpPr txBox="1"/>
-          <p:nvPr/>
-        </p:nvSpPr>
-        <p:spPr>
-          <a:xfrm>
-            <a:off x="4377380" y="4650345"/>
-            <a:ext cx="2768707" cy="523220"/>
-          </a:xfrm>
-          <a:prstGeom prst="rect">
-            <a:avLst/>
-          </a:prstGeom>
-          <a:noFill/>
-        </p:spPr>
-        <p:txBody>
-          <a:bodyPr wrap="none" rtlCol="0">
-            <a:spAutoFit/>
-          </a:bodyPr>
-          <a:lstStyle/>
-          <a:p>
-            <a:r>
-              <a:rPr lang="ko-KR" altLang="en-US" sz="1400" dirty="0">
+          <a:p>
+            <a:r>
+              <a:rPr lang="en-US" altLang="ko-KR" sz="1400" dirty="0">
                 <a:gradFill>
                   <a:gsLst>
                     <a:gs pos="0">
@@ -8506,7 +8516,25 @@
                 <a:latin typeface="KoPub돋움체 Medium" panose="02020603020101020101" pitchFamily="18" charset="-127"/>
                 <a:ea typeface="KoPub돋움체 Medium" panose="02020603020101020101" pitchFamily="18" charset="-127"/>
               </a:rPr>
-              <a:t>파이션을 사용하여 기본 틀 구성</a:t>
+              <a:t>C++</a:t>
+            </a:r>
+            <a:r>
+              <a:rPr lang="ko-KR" altLang="en-US" sz="1400" dirty="0">
+                <a:gradFill>
+                  <a:gsLst>
+                    <a:gs pos="0">
+                      <a:schemeClr val="tx1"/>
+                    </a:gs>
+                    <a:gs pos="100000">
+                      <a:schemeClr val="tx1"/>
+                    </a:gs>
+                  </a:gsLst>
+                  <a:lin ang="5400000" scaled="1"/>
+                </a:gradFill>
+                <a:latin typeface="KoPub돋움체 Medium" panose="02020603020101020101" pitchFamily="18" charset="-127"/>
+                <a:ea typeface="KoPub돋움체 Medium" panose="02020603020101020101" pitchFamily="18" charset="-127"/>
+              </a:rPr>
+              <a:t>로 내부 함수 구현</a:t>
             </a:r>
             <a:endParaRPr lang="en-US" altLang="ko-KR" sz="1400" dirty="0">
               <a:gradFill>
@@ -8526,7 +8554,7 @@
           </a:p>
           <a:p>
             <a:r>
-              <a:rPr lang="en-US" altLang="ko-KR" sz="1400" dirty="0">
+              <a:rPr lang="en-US" altLang="ko-KR" sz="1400" dirty="0" err="1">
                 <a:gradFill>
                   <a:gsLst>
                     <a:gs pos="0">
@@ -8541,7 +8569,7 @@
                 <a:latin typeface="KoPub돋움체 Medium" panose="02020603020101020101" pitchFamily="18" charset="-127"/>
                 <a:ea typeface="KoPub돋움체 Medium" panose="02020603020101020101" pitchFamily="18" charset="-127"/>
               </a:rPr>
-              <a:t>C++</a:t>
+              <a:t>tkinter</a:t>
             </a:r>
             <a:r>
               <a:rPr lang="ko-KR" altLang="en-US" sz="1400" dirty="0">
@@ -8559,7 +8587,43 @@
                 <a:latin typeface="KoPub돋움체 Medium" panose="02020603020101020101" pitchFamily="18" charset="-127"/>
                 <a:ea typeface="KoPub돋움체 Medium" panose="02020603020101020101" pitchFamily="18" charset="-127"/>
               </a:rPr>
-              <a:t>로 내부 함수 제작</a:t>
+              <a:t>를 통하여 </a:t>
+            </a:r>
+            <a:r>
+              <a:rPr lang="en-US" altLang="ko-KR" sz="1400" dirty="0">
+                <a:gradFill>
+                  <a:gsLst>
+                    <a:gs pos="0">
+                      <a:schemeClr val="tx1"/>
+                    </a:gs>
+                    <a:gs pos="100000">
+                      <a:schemeClr val="tx1"/>
+                    </a:gs>
+                  </a:gsLst>
+                  <a:lin ang="5400000" scaled="1"/>
+                </a:gradFill>
+                <a:latin typeface="KoPub돋움체 Medium" panose="02020603020101020101" pitchFamily="18" charset="-127"/>
+                <a:ea typeface="KoPub돋움체 Medium" panose="02020603020101020101" pitchFamily="18" charset="-127"/>
+              </a:rPr>
+              <a:t>GUI </a:t>
+            </a:r>
+            <a:r>
+              <a:rPr lang="ko-KR" altLang="en-US" sz="1400" dirty="0">
+                <a:gradFill>
+                  <a:gsLst>
+                    <a:gs pos="0">
+                      <a:schemeClr val="tx1"/>
+                    </a:gs>
+                    <a:gs pos="100000">
+                      <a:schemeClr val="tx1"/>
+                    </a:gs>
+                  </a:gsLst>
+                  <a:lin ang="5400000" scaled="1"/>
+                </a:gradFill>
+                <a:latin typeface="KoPub돋움체 Medium" panose="02020603020101020101" pitchFamily="18" charset="-127"/>
+                <a:ea typeface="KoPub돋움체 Medium" panose="02020603020101020101" pitchFamily="18" charset="-127"/>
+              </a:rPr>
+              <a:t>구현</a:t>
             </a:r>
             <a:r>
               <a:rPr lang="en-US" altLang="ko-KR" sz="1400" dirty="0">
@@ -8789,6 +8853,14 @@
   <p:clrMapOvr>
     <a:masterClrMapping/>
   </p:clrMapOvr>
+  <mc:AlternateContent xmlns:mc="http://schemas.openxmlformats.org/markup-compatibility/2006">
+    <mc:Choice xmlns:p14="http://schemas.microsoft.com/office/powerpoint/2010/main" Requires="p14">
+      <p:transition spd="slow" p14:dur="2000" advTm="20091"/>
+    </mc:Choice>
+    <mc:Fallback>
+      <p:transition spd="slow" advTm="20091"/>
+    </mc:Fallback>
+  </mc:AlternateContent>
 </p:sld>
 </file>
 
@@ -9026,7 +9098,7 @@
           <p:nvPr>
             <p:extLst>
               <p:ext uri="{D42A27DB-BD31-4B8C-83A1-F6EECF244321}">
-                <p14:modId xmlns:p14="http://schemas.microsoft.com/office/powerpoint/2010/main" val="1201631381"/>
+                <p14:modId xmlns:p14="http://schemas.microsoft.com/office/powerpoint/2010/main" val="175751328"/>
               </p:ext>
             </p:extLst>
           </p:nvPr>
@@ -9291,22 +9363,26 @@
                     <a:bodyPr/>
                     <a:lstStyle/>
                     <a:p>
-                      <a:pPr algn="ctr" latinLnBrk="1"/>
-                      <a:r>
-                        <a:rPr lang="en-US" altLang="ko-KR" dirty="0"/>
-                        <a:t>Thinker</a:t>
-                      </a:r>
+                      <a:pPr marL="0" marR="0" lvl="0" indent="0" algn="ctr" defTabSz="914400" rtl="0" eaLnBrk="1" fontAlgn="auto" latinLnBrk="1" hangingPunct="1">
+                        <a:lnSpc>
+                          <a:spcPct val="100000"/>
+                        </a:lnSpc>
+                        <a:spcBef>
+                          <a:spcPts val="0"/>
+                        </a:spcBef>
+                        <a:spcAft>
+                          <a:spcPts val="0"/>
+                        </a:spcAft>
+                        <a:buClrTx/>
+                        <a:buSzTx/>
+                        <a:buFontTx/>
+                        <a:buNone/>
+                        <a:tabLst/>
+                        <a:defRPr/>
+                      </a:pPr>
                       <a:r>
                         <a:rPr lang="ko-KR" altLang="en-US" dirty="0"/>
-                        <a:t>을 통한 </a:t>
-                      </a:r>
-                      <a:r>
-                        <a:rPr lang="en-US" altLang="ko-KR" dirty="0"/>
-                        <a:t>GUI</a:t>
-                      </a:r>
-                      <a:r>
-                        <a:rPr lang="ko-KR" altLang="en-US" dirty="0"/>
-                        <a:t>환경 구현</a:t>
+                        <a:t>아이템 변경 시 변경되는 전투력 비교</a:t>
                       </a:r>
                     </a:p>
                   </a:txBody>
@@ -9353,16 +9429,34 @@
                     <a:p>
                       <a:pPr algn="ctr" latinLnBrk="1"/>
                       <a:r>
-                        <a:rPr lang="ko-KR" altLang="en-US" dirty="0"/>
-                        <a:t>타 캐릭터와의 비교 구현</a:t>
+                        <a:rPr lang="en-US" altLang="ko-KR" sz="1800" dirty="0" err="1">
+                          <a:gradFill>
+                            <a:gsLst>
+                              <a:gs pos="0">
+                                <a:schemeClr val="tx1"/>
+                              </a:gs>
+                              <a:gs pos="100000">
+                                <a:schemeClr val="tx1"/>
+                              </a:gs>
+                            </a:gsLst>
+                            <a:lin ang="5400000" scaled="1"/>
+                          </a:gradFill>
+                          <a:latin typeface="KoPub돋움체 Medium" panose="02020603020101020101" pitchFamily="18" charset="-127"/>
+                          <a:ea typeface="KoPub돋움체 Medium" panose="02020603020101020101" pitchFamily="18" charset="-127"/>
+                        </a:rPr>
+                        <a:t>tkinter</a:t>
                       </a:r>
-                      <a:endParaRPr lang="en-US" altLang="ko-KR" dirty="0"/>
-                    </a:p>
-                    <a:p>
-                      <a:pPr algn="ctr" latinLnBrk="1"/>
                       <a:r>
                         <a:rPr lang="ko-KR" altLang="en-US" dirty="0"/>
-                        <a:t>아이템 변경 시 변경되는 전투력 비교</a:t>
+                        <a:t>을 통한 </a:t>
+                      </a:r>
+                      <a:r>
+                        <a:rPr lang="en-US" altLang="ko-KR" dirty="0"/>
+                        <a:t>GUI</a:t>
+                      </a:r>
+                      <a:r>
+                        <a:rPr lang="ko-KR" altLang="en-US" dirty="0"/>
+                        <a:t>환경 구현</a:t>
                       </a:r>
                     </a:p>
                   </a:txBody>
@@ -9436,6 +9530,14 @@
   <p:clrMapOvr>
     <a:masterClrMapping/>
   </p:clrMapOvr>
+  <mc:AlternateContent xmlns:mc="http://schemas.openxmlformats.org/markup-compatibility/2006">
+    <mc:Choice xmlns:p14="http://schemas.microsoft.com/office/powerpoint/2010/main" Requires="p14">
+      <p:transition spd="slow" p14:dur="2000" advTm="22151"/>
+    </mc:Choice>
+    <mc:Fallback>
+      <p:transition spd="slow" advTm="22151"/>
+    </mc:Fallback>
+  </mc:AlternateContent>
 </p:sld>
 </file>
 
@@ -9912,6 +10014,14 @@
   <p:clrMapOvr>
     <a:masterClrMapping/>
   </p:clrMapOvr>
+  <mc:AlternateContent xmlns:mc="http://schemas.openxmlformats.org/markup-compatibility/2006">
+    <mc:Choice xmlns:p14="http://schemas.microsoft.com/office/powerpoint/2010/main" Requires="p14">
+      <p:transition spd="slow" p14:dur="2000" advTm="8105"/>
+    </mc:Choice>
+    <mc:Fallback>
+      <p:transition spd="slow" advTm="8105"/>
+    </mc:Fallback>
+  </mc:AlternateContent>
 </p:sld>
 </file>
 
@@ -10168,6 +10278,14 @@
   <p:clrMapOvr>
     <a:masterClrMapping/>
   </p:clrMapOvr>
+  <mc:AlternateContent xmlns:mc="http://schemas.openxmlformats.org/markup-compatibility/2006">
+    <mc:Choice xmlns:p14="http://schemas.microsoft.com/office/powerpoint/2010/main" Requires="p14">
+      <p:transition spd="slow" p14:dur="2000" advTm="5112"/>
+    </mc:Choice>
+    <mc:Fallback>
+      <p:transition spd="slow" advTm="5112"/>
+    </mc:Fallback>
+  </mc:AlternateContent>
 </p:sld>
 </file>
 
